--- a/2_Slides_Literature/5_Ideology/5_Ideologie.pptx
+++ b/2_Slides_Literature/5_Ideology/5_Ideologie.pptx
@@ -197,14 +197,6 @@
 </p:cmAuthorLst>
 </file>
 
-<file path=ppt/revisionInfo.xml><?xml version="1.0" encoding="utf-8"?>
-<p1510:revInfo xmlns:a="http://schemas.openxmlformats.org/drawingml/2006/main" xmlns:r="http://schemas.openxmlformats.org/officeDocument/2006/relationships" xmlns:p1510="http://schemas.microsoft.com/office/powerpoint/2015/10/main">
-  <p1510:revLst>
-    <p1510:client id="{3E027E21-5F03-4026-AB9E-F0A6BD2AAEAA}" v="77" dt="2022-05-23T09:12:51.474"/>
-  </p1510:revLst>
-</p1510:revInfo>
-</file>
-
 <file path=ppt/changesInfos/changesInfo1.xml><?xml version="1.0" encoding="utf-8"?>
 <pc:chgInfo xmlns:a="http://schemas.openxmlformats.org/drawingml/2006/main" xmlns:r="http://schemas.openxmlformats.org/officeDocument/2006/relationships" xmlns:ac="http://schemas.microsoft.com/office/drawing/2013/main/command" xmlns:pc="http://schemas.microsoft.com/office/powerpoint/2013/main/command">
   <pc:docChgLst>
@@ -8880,6 +8872,30 @@
         </pc:spChg>
         <pc:spChg chg="mod">
           <ac:chgData name="C C" userId="58c016da926720ee" providerId="LiveId" clId="{3E027E21-5F03-4026-AB9E-F0A6BD2AAEAA}" dt="2022-05-23T13:58:02.452" v="3965" actId="20577"/>
+          <ac:spMkLst>
+            <pc:docMk/>
+            <pc:sldMk cId="893465914" sldId="335"/>
+            <ac:spMk id="3" creationId="{D5381BC3-7FD0-12E9-8E0C-2D6F592B3088}"/>
+          </ac:spMkLst>
+        </pc:spChg>
+      </pc:sldChg>
+    </pc:docChg>
+  </pc:docChgLst>
+  <pc:docChgLst>
+    <pc:chgData name="C C" userId="58c016da926720ee" providerId="LiveId" clId="{D4CF7253-BD1C-46BB-BB10-6FB9E71128FA}"/>
+    <pc:docChg chg="modSld">
+      <pc:chgData name="C C" userId="58c016da926720ee" providerId="LiveId" clId="{D4CF7253-BD1C-46BB-BB10-6FB9E71128FA}" dt="2023-05-22T08:11:08.360" v="18" actId="20577"/>
+      <pc:docMkLst>
+        <pc:docMk/>
+      </pc:docMkLst>
+      <pc:sldChg chg="modSp mod">
+        <pc:chgData name="C C" userId="58c016da926720ee" providerId="LiveId" clId="{D4CF7253-BD1C-46BB-BB10-6FB9E71128FA}" dt="2023-05-22T08:11:08.360" v="18" actId="20577"/>
+        <pc:sldMkLst>
+          <pc:docMk/>
+          <pc:sldMk cId="893465914" sldId="335"/>
+        </pc:sldMkLst>
+        <pc:spChg chg="mod">
+          <ac:chgData name="C C" userId="58c016da926720ee" providerId="LiveId" clId="{D4CF7253-BD1C-46BB-BB10-6FB9E71128FA}" dt="2023-05-22T08:11:08.360" v="18" actId="20577"/>
           <ac:spMkLst>
             <pc:docMk/>
             <pc:sldMk cId="893465914" sldId="335"/>
@@ -15577,8 +15593,13 @@
             </a:pPr>
             <a:r>
               <a:rPr lang="de-DE" dirty="0"/>
-              <a:t>Was ist das Gegenteil von RWO und SDO ? Wie würden wir diese</a:t>
-            </a:r>
+              <a:t>Was ist das Gegenteil von RWO und SDO ? Wie würden wir </a:t>
+            </a:r>
+            <a:r>
+              <a:rPr lang="de-DE"/>
+              <a:t>diese definieren? </a:t>
+            </a:r>
+            <a:endParaRPr lang="de-DE" dirty="0"/>
           </a:p>
         </p:txBody>
       </p:sp>
